--- a/EC311 XYZ Final Project Presentation.pptx
+++ b/EC311 XYZ Final Project Presentation.pptx
@@ -13258,7 +13258,7 @@
             <a:tbl>
               <a:tblPr>
                 <a:noFill/>
-                <a:tableStyleId>{7DFF2A9E-CD40-4C07-8DCA-49B0C2774739}</a:tableStyleId>
+                <a:tableStyleId>{39721AA9-63D3-452F-A0F3-3F526579D2DA}</a:tableStyleId>
               </a:tblPr>
               <a:tblGrid>
                 <a:gridCol w="1181100"/>
@@ -13375,7 +13375,7 @@
         </p:nvSpPr>
         <p:spPr>
           <a:xfrm>
-            <a:off x="893700" y="235913"/>
+            <a:off x="1196650" y="155113"/>
             <a:ext cx="6462600" cy="857400"/>
           </a:xfrm>
           <a:prstGeom prst="rect">
@@ -13738,7 +13738,7 @@
             <a:tbl>
               <a:tblPr>
                 <a:noFill/>
-                <a:tableStyleId>{7DFF2A9E-CD40-4C07-8DCA-49B0C2774739}</a:tableStyleId>
+                <a:tableStyleId>{39721AA9-63D3-452F-A0F3-3F526579D2DA}</a:tableStyleId>
               </a:tblPr>
               <a:tblGrid>
                 <a:gridCol w="1287375"/>
@@ -14145,7 +14145,7 @@
             <a:tbl>
               <a:tblPr>
                 <a:noFill/>
-                <a:tableStyleId>{7DFF2A9E-CD40-4C07-8DCA-49B0C2774739}</a:tableStyleId>
+                <a:tableStyleId>{39721AA9-63D3-452F-A0F3-3F526579D2DA}</a:tableStyleId>
               </a:tblPr>
               <a:tblGrid>
                 <a:gridCol w="990850"/>
@@ -14758,7 +14758,7 @@
             <a:tbl>
               <a:tblPr>
                 <a:noFill/>
-                <a:tableStyleId>{7DFF2A9E-CD40-4C07-8DCA-49B0C2774739}</a:tableStyleId>
+                <a:tableStyleId>{39721AA9-63D3-452F-A0F3-3F526579D2DA}</a:tableStyleId>
               </a:tblPr>
               <a:tblGrid>
                 <a:gridCol w="964950"/>
@@ -15315,7 +15315,7 @@
             <a:tbl>
               <a:tblPr>
                 <a:noFill/>
-                <a:tableStyleId>{7DFF2A9E-CD40-4C07-8DCA-49B0C2774739}</a:tableStyleId>
+                <a:tableStyleId>{39721AA9-63D3-452F-A0F3-3F526579D2DA}</a:tableStyleId>
               </a:tblPr>
               <a:tblGrid>
                 <a:gridCol w="1181100"/>
@@ -15978,7 +15978,7 @@
             <a:tbl>
               <a:tblPr>
                 <a:noFill/>
-                <a:tableStyleId>{7DFF2A9E-CD40-4C07-8DCA-49B0C2774739}</a:tableStyleId>
+                <a:tableStyleId>{39721AA9-63D3-452F-A0F3-3F526579D2DA}</a:tableStyleId>
               </a:tblPr>
               <a:tblGrid>
                 <a:gridCol w="888425"/>
@@ -17906,7 +17906,7 @@
             <a:tbl>
               <a:tblPr>
                 <a:noFill/>
-                <a:tableStyleId>{7DFF2A9E-CD40-4C07-8DCA-49B0C2774739}</a:tableStyleId>
+                <a:tableStyleId>{39721AA9-63D3-452F-A0F3-3F526579D2DA}</a:tableStyleId>
               </a:tblPr>
               <a:tblGrid>
                 <a:gridCol w="1181100"/>
@@ -18210,7 +18210,7 @@
             <a:tbl>
               <a:tblPr>
                 <a:noFill/>
-                <a:tableStyleId>{7DFF2A9E-CD40-4C07-8DCA-49B0C2774739}</a:tableStyleId>
+                <a:tableStyleId>{39721AA9-63D3-452F-A0F3-3F526579D2DA}</a:tableStyleId>
               </a:tblPr>
               <a:tblGrid>
                 <a:gridCol w="904875"/>
@@ -19364,7 +19364,7 @@
             </a:pPr>
             <a:r>
               <a:rPr lang="en" sz="2000"/>
-              <a:t>Compiles the program and sends binary file to MPU</a:t>
+              <a:t>Assembles the program and sends binary file to MPU</a:t>
             </a:r>
             <a:endParaRPr sz="2000"/>
           </a:p>
@@ -19694,7 +19694,7 @@
             </a:pPr>
             <a:r>
               <a:rPr lang="en"/>
-              <a:t>C++ XYZcompiler works properly.</a:t>
+              <a:t>C++ XYZcompiler works properly</a:t>
             </a:r>
             <a:endParaRPr/>
           </a:p>
@@ -19711,24 +19711,24 @@
             </a:pPr>
             <a:r>
               <a:rPr lang="en"/>
-              <a:t>Done from first principles using most things we did in class.</a:t>
+              <a:t>Done from first principles (using most things we did in class)</a:t>
             </a:r>
             <a:endParaRPr/>
           </a:p>
           <a:p>
             <a:pPr indent="-381000" lvl="0" marL="457200" rtl="0" algn="l">
               <a:spcBef>
-                <a:spcPts val="600"/>
-              </a:spcBef>
-              <a:spcAft>
-                <a:spcPts val="0"/>
+                <a:spcPts val="1000"/>
+              </a:spcBef>
+              <a:spcAft>
+                <a:spcPts val="1000"/>
               </a:spcAft>
               <a:buSzPts val="2400"/>
               <a:buChar char="▷"/>
             </a:pPr>
             <a:r>
               <a:rPr lang="en"/>
-              <a:t>We got the instructions to operate properly in Verilog.</a:t>
+              <a:t>We got the instructions to operate properly in Verilog</a:t>
             </a:r>
             <a:endParaRPr/>
           </a:p>
@@ -19999,7 +19999,7 @@
             <a:tbl>
               <a:tblPr>
                 <a:noFill/>
-                <a:tableStyleId>{85A601C7-9CA0-4DD4-BCE6-BC184DAD7CB9}</a:tableStyleId>
+                <a:tableStyleId>{61E4FFD4-CFF8-4110-9D50-F9822FFF9492}</a:tableStyleId>
               </a:tblPr>
               <a:tblGrid>
                 <a:gridCol w="2110450"/>
@@ -20249,7 +20249,7 @@
                           <a:cs typeface="Lato"/>
                           <a:sym typeface="Lato"/>
                         </a:rPr>
-                        <a:t>Decoder (C++)</a:t>
+                        <a:t>Assembler + Decoder (C++)</a:t>
                       </a:r>
                       <a:endParaRPr sz="1200">
                         <a:latin typeface="Lato"/>
@@ -22148,7 +22148,7 @@
           <a:p>
             <a:pPr indent="-342900" lvl="1" marL="914400" rtl="0" algn="l">
               <a:spcBef>
-                <a:spcPts val="1000"/>
+                <a:spcPts val="0"/>
               </a:spcBef>
               <a:spcAft>
                 <a:spcPts val="1000"/>
@@ -22287,7 +22287,7 @@
             </a:pPr>
             <a:r>
               <a:rPr lang="en"/>
-              <a:t>Program compiles via the XYZcompiler (C++)</a:t>
+              <a:t>Program assembles via the XYZassembler (C++)</a:t>
             </a:r>
             <a:endParaRPr/>
           </a:p>
@@ -22679,7 +22679,7 @@
         <p:spPr>
           <a:xfrm>
             <a:off x="232375" y="168450"/>
-            <a:ext cx="5214300" cy="642300"/>
+            <a:ext cx="5581800" cy="642300"/>
           </a:xfrm>
           <a:prstGeom prst="rect">
             <a:avLst/>
@@ -22702,7 +22702,7 @@
             </a:pPr>
             <a:r>
               <a:rPr b="1" lang="en"/>
-              <a:t>XYZ Assembly + Compiler</a:t>
+              <a:t>XYZ Assembly + Assembler</a:t>
             </a:r>
             <a:endParaRPr b="1"/>
           </a:p>
@@ -22915,8 +22915,8 @@
         </p:nvSpPr>
         <p:spPr>
           <a:xfrm>
-            <a:off x="4488975" y="2522388"/>
-            <a:ext cx="1575600" cy="642300"/>
+            <a:off x="4488975" y="2522400"/>
+            <a:ext cx="1749900" cy="642300"/>
           </a:xfrm>
           <a:prstGeom prst="rect">
             <a:avLst/>
@@ -22951,7 +22951,7 @@
                 <a:cs typeface="Lato"/>
                 <a:sym typeface="Lato"/>
               </a:rPr>
-              <a:t>Compile using XYZcompiler.cpp</a:t>
+              <a:t>Assemble using XYZassembler.cpp</a:t>
             </a:r>
             <a:endParaRPr>
               <a:solidFill>
@@ -23150,7 +23150,7 @@
                 <a:cs typeface="Lato"/>
                 <a:sym typeface="Lato"/>
               </a:rPr>
-              <a:t>XYZ Compiler Code Snippet</a:t>
+              <a:t>XYZ Assembler Code Snippet</a:t>
             </a:r>
             <a:endParaRPr sz="2400">
               <a:solidFill>

--- a/EC311 XYZ Final Project Presentation.pptx
+++ b/EC311 XYZ Final Project Presentation.pptx
@@ -13258,7 +13258,7 @@
             <a:tbl>
               <a:tblPr>
                 <a:noFill/>
-                <a:tableStyleId>{39721AA9-63D3-452F-A0F3-3F526579D2DA}</a:tableStyleId>
+                <a:tableStyleId>{B137865E-021A-4B62-A5AC-500D09886547}</a:tableStyleId>
               </a:tblPr>
               <a:tblGrid>
                 <a:gridCol w="1181100"/>
@@ -13738,7 +13738,7 @@
             <a:tbl>
               <a:tblPr>
                 <a:noFill/>
-                <a:tableStyleId>{39721AA9-63D3-452F-A0F3-3F526579D2DA}</a:tableStyleId>
+                <a:tableStyleId>{B137865E-021A-4B62-A5AC-500D09886547}</a:tableStyleId>
               </a:tblPr>
               <a:tblGrid>
                 <a:gridCol w="1287375"/>
@@ -14145,7 +14145,7 @@
             <a:tbl>
               <a:tblPr>
                 <a:noFill/>
-                <a:tableStyleId>{39721AA9-63D3-452F-A0F3-3F526579D2DA}</a:tableStyleId>
+                <a:tableStyleId>{B137865E-021A-4B62-A5AC-500D09886547}</a:tableStyleId>
               </a:tblPr>
               <a:tblGrid>
                 <a:gridCol w="990850"/>
@@ -14758,7 +14758,7 @@
             <a:tbl>
               <a:tblPr>
                 <a:noFill/>
-                <a:tableStyleId>{39721AA9-63D3-452F-A0F3-3F526579D2DA}</a:tableStyleId>
+                <a:tableStyleId>{B137865E-021A-4B62-A5AC-500D09886547}</a:tableStyleId>
               </a:tblPr>
               <a:tblGrid>
                 <a:gridCol w="964950"/>
@@ -15315,7 +15315,7 @@
             <a:tbl>
               <a:tblPr>
                 <a:noFill/>
-                <a:tableStyleId>{39721AA9-63D3-452F-A0F3-3F526579D2DA}</a:tableStyleId>
+                <a:tableStyleId>{B137865E-021A-4B62-A5AC-500D09886547}</a:tableStyleId>
               </a:tblPr>
               <a:tblGrid>
                 <a:gridCol w="1181100"/>
@@ -15978,7 +15978,7 @@
             <a:tbl>
               <a:tblPr>
                 <a:noFill/>
-                <a:tableStyleId>{39721AA9-63D3-452F-A0F3-3F526579D2DA}</a:tableStyleId>
+                <a:tableStyleId>{B137865E-021A-4B62-A5AC-500D09886547}</a:tableStyleId>
               </a:tblPr>
               <a:tblGrid>
                 <a:gridCol w="888425"/>
@@ -17906,7 +17906,7 @@
             <a:tbl>
               <a:tblPr>
                 <a:noFill/>
-                <a:tableStyleId>{39721AA9-63D3-452F-A0F3-3F526579D2DA}</a:tableStyleId>
+                <a:tableStyleId>{B137865E-021A-4B62-A5AC-500D09886547}</a:tableStyleId>
               </a:tblPr>
               <a:tblGrid>
                 <a:gridCol w="1181100"/>
@@ -18210,7 +18210,7 @@
             <a:tbl>
               <a:tblPr>
                 <a:noFill/>
-                <a:tableStyleId>{39721AA9-63D3-452F-A0F3-3F526579D2DA}</a:tableStyleId>
+                <a:tableStyleId>{B137865E-021A-4B62-A5AC-500D09886547}</a:tableStyleId>
               </a:tblPr>
               <a:tblGrid>
                 <a:gridCol w="904875"/>
@@ -19999,7 +19999,7 @@
             <a:tbl>
               <a:tblPr>
                 <a:noFill/>
-                <a:tableStyleId>{61E4FFD4-CFF8-4110-9D50-F9822FFF9492}</a:tableStyleId>
+                <a:tableStyleId>{83A96A14-2904-4E23-8994-177CF1C75131}</a:tableStyleId>
               </a:tblPr>
               <a:tblGrid>
                 <a:gridCol w="2110450"/>
